--- a/docs/diagrams/UndoRedoSequenceDiagram.pptx
+++ b/docs/diagrams/UndoRedoSequenceDiagram.pptx
@@ -10,7 +10,7 @@
   <p:sldIdLst>
     <p:sldId id="267" r:id="rId2"/>
   </p:sldIdLst>
-  <p:sldSz cx="9144000" cy="6858000" type="screen4x3"/>
+  <p:sldSz cx="12192000" cy="6858000"/>
   <p:notesSz cx="6858000" cy="9144000"/>
   <p:defaultTextStyle>
     <a:defPPr>
@@ -110,12 +110,12 @@
   <p:extLst>
     <p:ext uri="{EFAFB233-063F-42B5-8137-9DF3F51BA10A}">
       <p15:sldGuideLst xmlns:p15="http://schemas.microsoft.com/office/powerpoint/2012/main">
-        <p15:guide id="1" orient="horz" pos="1488">
+        <p15:guide id="1" orient="horz" pos="1488" userDrawn="1">
           <p15:clr>
             <a:srgbClr val="A4A3A4"/>
           </p15:clr>
         </p15:guide>
-        <p15:guide id="2" pos="2880">
+        <p15:guide id="2" pos="3840" userDrawn="1">
           <p15:clr>
             <a:srgbClr val="A4A3A4"/>
           </p15:clr>
@@ -175,7 +175,7 @@
             </a:lvl1pPr>
           </a:lstStyle>
           <a:p>
-            <a:endParaRPr lang="en-US"/>
+            <a:endParaRPr lang="en-US" dirty="0"/>
           </a:p>
         </p:txBody>
       </p:sp>
@@ -208,9 +208,9 @@
           <a:p>
             <a:fld id="{F5CC4B3F-88C1-4FFA-B1B6-F41C21DC6924}" type="datetimeFigureOut">
               <a:rPr lang="en-US" smtClean="0"/>
-              <a:t>7/29/2017</a:t>
+              <a:t>3/19/2018</a:t>
             </a:fld>
-            <a:endParaRPr lang="en-US"/>
+            <a:endParaRPr lang="en-US" dirty="0"/>
           </a:p>
         </p:txBody>
       </p:sp>
@@ -226,8 +226,8 @@
         </p:nvSpPr>
         <p:spPr>
           <a:xfrm>
-            <a:off x="1143000" y="685800"/>
-            <a:ext cx="4572000" cy="3429000"/>
+            <a:off x="381000" y="685800"/>
+            <a:ext cx="6096000" cy="3429000"/>
           </a:xfrm>
           <a:prstGeom prst="rect">
             <a:avLst/>
@@ -243,7 +243,7 @@
           <a:bodyPr vert="horz" lIns="91440" tIns="45720" rIns="91440" bIns="45720" rtlCol="0" anchor="ctr"/>
           <a:lstStyle/>
           <a:p>
-            <a:endParaRPr lang="en-US"/>
+            <a:endParaRPr lang="en-US" dirty="0"/>
           </a:p>
         </p:txBody>
       </p:sp>
@@ -333,7 +333,7 @@
             </a:lvl1pPr>
           </a:lstStyle>
           <a:p>
-            <a:endParaRPr lang="en-US"/>
+            <a:endParaRPr lang="en-US" dirty="0"/>
           </a:p>
         </p:txBody>
       </p:sp>
@@ -368,7 +368,7 @@
               <a:rPr lang="en-US" smtClean="0"/>
               <a:t>‹#›</a:t>
             </a:fld>
-            <a:endParaRPr lang="en-US"/>
+            <a:endParaRPr lang="en-US" dirty="0"/>
           </a:p>
         </p:txBody>
       </p:sp>
@@ -504,8 +504,8 @@
         </p:nvSpPr>
         <p:spPr>
           <a:xfrm>
-            <a:off x="685800" y="2130425"/>
-            <a:ext cx="7772400" cy="1470025"/>
+            <a:off x="914400" y="2130426"/>
+            <a:ext cx="10363200" cy="1470025"/>
           </a:xfrm>
         </p:spPr>
         <p:txBody>
@@ -531,8 +531,8 @@
         </p:nvSpPr>
         <p:spPr>
           <a:xfrm>
-            <a:off x="1371600" y="3886200"/>
-            <a:ext cx="6400800" cy="1752600"/>
+            <a:off x="1828800" y="3886200"/>
+            <a:ext cx="8534400" cy="1752600"/>
           </a:xfrm>
         </p:spPr>
         <p:txBody>
@@ -654,9 +654,9 @@
           <a:p>
             <a:fld id="{78C97017-6FC3-485B-9764-EAC9E56C1D49}" type="datetimeFigureOut">
               <a:rPr lang="en-US" smtClean="0"/>
-              <a:t>7/29/2017</a:t>
+              <a:t>3/19/2018</a:t>
             </a:fld>
-            <a:endParaRPr lang="en-US"/>
+            <a:endParaRPr lang="en-US" dirty="0"/>
           </a:p>
         </p:txBody>
       </p:sp>
@@ -675,7 +675,7 @@
           <a:bodyPr/>
           <a:lstStyle/>
           <a:p>
-            <a:endParaRPr lang="en-US"/>
+            <a:endParaRPr lang="en-US" dirty="0"/>
           </a:p>
         </p:txBody>
       </p:sp>
@@ -698,7 +698,7 @@
               <a:rPr lang="en-US" smtClean="0"/>
               <a:t>‹#›</a:t>
             </a:fld>
-            <a:endParaRPr lang="en-US"/>
+            <a:endParaRPr lang="en-US" dirty="0"/>
           </a:p>
         </p:txBody>
       </p:sp>
@@ -822,9 +822,9 @@
           <a:p>
             <a:fld id="{78C97017-6FC3-485B-9764-EAC9E56C1D49}" type="datetimeFigureOut">
               <a:rPr lang="en-US" smtClean="0"/>
-              <a:t>7/29/2017</a:t>
+              <a:t>3/19/2018</a:t>
             </a:fld>
-            <a:endParaRPr lang="en-US"/>
+            <a:endParaRPr lang="en-US" dirty="0"/>
           </a:p>
         </p:txBody>
       </p:sp>
@@ -843,7 +843,7 @@
           <a:bodyPr/>
           <a:lstStyle/>
           <a:p>
-            <a:endParaRPr lang="en-US"/>
+            <a:endParaRPr lang="en-US" dirty="0"/>
           </a:p>
         </p:txBody>
       </p:sp>
@@ -866,7 +866,7 @@
               <a:rPr lang="en-US" smtClean="0"/>
               <a:t>‹#›</a:t>
             </a:fld>
-            <a:endParaRPr lang="en-US"/>
+            <a:endParaRPr lang="en-US" dirty="0"/>
           </a:p>
         </p:txBody>
       </p:sp>
@@ -912,8 +912,8 @@
         </p:nvSpPr>
         <p:spPr>
           <a:xfrm>
-            <a:off x="6629400" y="274638"/>
-            <a:ext cx="2057400" cy="5851525"/>
+            <a:off x="8839200" y="274639"/>
+            <a:ext cx="2743200" cy="5851525"/>
           </a:xfrm>
         </p:spPr>
         <p:txBody>
@@ -939,8 +939,8 @@
         </p:nvSpPr>
         <p:spPr>
           <a:xfrm>
-            <a:off x="457200" y="274638"/>
-            <a:ext cx="6019800" cy="5851525"/>
+            <a:off x="609600" y="274639"/>
+            <a:ext cx="8026400" cy="5851525"/>
           </a:xfrm>
         </p:spPr>
         <p:txBody>
@@ -1000,9 +1000,9 @@
           <a:p>
             <a:fld id="{78C97017-6FC3-485B-9764-EAC9E56C1D49}" type="datetimeFigureOut">
               <a:rPr lang="en-US" smtClean="0"/>
-              <a:t>7/29/2017</a:t>
+              <a:t>3/19/2018</a:t>
             </a:fld>
-            <a:endParaRPr lang="en-US"/>
+            <a:endParaRPr lang="en-US" dirty="0"/>
           </a:p>
         </p:txBody>
       </p:sp>
@@ -1021,7 +1021,7 @@
           <a:bodyPr/>
           <a:lstStyle/>
           <a:p>
-            <a:endParaRPr lang="en-US"/>
+            <a:endParaRPr lang="en-US" dirty="0"/>
           </a:p>
         </p:txBody>
       </p:sp>
@@ -1044,7 +1044,7 @@
               <a:rPr lang="en-US" smtClean="0"/>
               <a:t>‹#›</a:t>
             </a:fld>
-            <a:endParaRPr lang="en-US"/>
+            <a:endParaRPr lang="en-US" dirty="0"/>
           </a:p>
         </p:txBody>
       </p:sp>
@@ -1168,9 +1168,9 @@
           <a:p>
             <a:fld id="{78C97017-6FC3-485B-9764-EAC9E56C1D49}" type="datetimeFigureOut">
               <a:rPr lang="en-US" smtClean="0"/>
-              <a:t>7/29/2017</a:t>
+              <a:t>3/19/2018</a:t>
             </a:fld>
-            <a:endParaRPr lang="en-US"/>
+            <a:endParaRPr lang="en-US" dirty="0"/>
           </a:p>
         </p:txBody>
       </p:sp>
@@ -1189,7 +1189,7 @@
           <a:bodyPr/>
           <a:lstStyle/>
           <a:p>
-            <a:endParaRPr lang="en-US"/>
+            <a:endParaRPr lang="en-US" dirty="0"/>
           </a:p>
         </p:txBody>
       </p:sp>
@@ -1212,7 +1212,7 @@
               <a:rPr lang="en-US" smtClean="0"/>
               <a:t>‹#›</a:t>
             </a:fld>
-            <a:endParaRPr lang="en-US"/>
+            <a:endParaRPr lang="en-US" dirty="0"/>
           </a:p>
         </p:txBody>
       </p:sp>
@@ -1258,8 +1258,8 @@
         </p:nvSpPr>
         <p:spPr>
           <a:xfrm>
-            <a:off x="722313" y="4406900"/>
-            <a:ext cx="7772400" cy="1362075"/>
+            <a:off x="963084" y="4406901"/>
+            <a:ext cx="10363200" cy="1362075"/>
           </a:xfrm>
         </p:spPr>
         <p:txBody>
@@ -1289,8 +1289,8 @@
         </p:nvSpPr>
         <p:spPr>
           <a:xfrm>
-            <a:off x="722313" y="2906713"/>
-            <a:ext cx="7772400" cy="1500187"/>
+            <a:off x="963084" y="2906713"/>
+            <a:ext cx="10363200" cy="1500187"/>
           </a:xfrm>
         </p:spPr>
         <p:txBody>
@@ -1413,9 +1413,9 @@
           <a:p>
             <a:fld id="{78C97017-6FC3-485B-9764-EAC9E56C1D49}" type="datetimeFigureOut">
               <a:rPr lang="en-US" smtClean="0"/>
-              <a:t>7/29/2017</a:t>
+              <a:t>3/19/2018</a:t>
             </a:fld>
-            <a:endParaRPr lang="en-US"/>
+            <a:endParaRPr lang="en-US" dirty="0"/>
           </a:p>
         </p:txBody>
       </p:sp>
@@ -1434,7 +1434,7 @@
           <a:bodyPr/>
           <a:lstStyle/>
           <a:p>
-            <a:endParaRPr lang="en-US"/>
+            <a:endParaRPr lang="en-US" dirty="0"/>
           </a:p>
         </p:txBody>
       </p:sp>
@@ -1457,7 +1457,7 @@
               <a:rPr lang="en-US" smtClean="0"/>
               <a:t>‹#›</a:t>
             </a:fld>
-            <a:endParaRPr lang="en-US"/>
+            <a:endParaRPr lang="en-US" dirty="0"/>
           </a:p>
         </p:txBody>
       </p:sp>
@@ -1525,8 +1525,8 @@
         </p:nvSpPr>
         <p:spPr>
           <a:xfrm>
-            <a:off x="457200" y="1600200"/>
-            <a:ext cx="4038600" cy="4525963"/>
+            <a:off x="609600" y="1600201"/>
+            <a:ext cx="5384800" cy="4525963"/>
           </a:xfrm>
         </p:spPr>
         <p:txBody>
@@ -1609,8 +1609,8 @@
         </p:nvSpPr>
         <p:spPr>
           <a:xfrm>
-            <a:off x="4648200" y="1600200"/>
-            <a:ext cx="4038600" cy="4525963"/>
+            <a:off x="6197600" y="1600201"/>
+            <a:ext cx="5384800" cy="4525963"/>
           </a:xfrm>
         </p:spPr>
         <p:txBody>
@@ -1698,9 +1698,9 @@
           <a:p>
             <a:fld id="{78C97017-6FC3-485B-9764-EAC9E56C1D49}" type="datetimeFigureOut">
               <a:rPr lang="en-US" smtClean="0"/>
-              <a:t>7/29/2017</a:t>
+              <a:t>3/19/2018</a:t>
             </a:fld>
-            <a:endParaRPr lang="en-US"/>
+            <a:endParaRPr lang="en-US" dirty="0"/>
           </a:p>
         </p:txBody>
       </p:sp>
@@ -1719,7 +1719,7 @@
           <a:bodyPr/>
           <a:lstStyle/>
           <a:p>
-            <a:endParaRPr lang="en-US"/>
+            <a:endParaRPr lang="en-US" dirty="0"/>
           </a:p>
         </p:txBody>
       </p:sp>
@@ -1742,7 +1742,7 @@
               <a:rPr lang="en-US" smtClean="0"/>
               <a:t>‹#›</a:t>
             </a:fld>
-            <a:endParaRPr lang="en-US"/>
+            <a:endParaRPr lang="en-US" dirty="0"/>
           </a:p>
         </p:txBody>
       </p:sp>
@@ -1814,8 +1814,8 @@
         </p:nvSpPr>
         <p:spPr>
           <a:xfrm>
-            <a:off x="457200" y="1535113"/>
-            <a:ext cx="4040188" cy="639762"/>
+            <a:off x="609600" y="1535113"/>
+            <a:ext cx="5386917" cy="639762"/>
           </a:xfrm>
         </p:spPr>
         <p:txBody>
@@ -1879,8 +1879,8 @@
         </p:nvSpPr>
         <p:spPr>
           <a:xfrm>
-            <a:off x="457200" y="2174875"/>
-            <a:ext cx="4040188" cy="3951288"/>
+            <a:off x="609600" y="2174875"/>
+            <a:ext cx="5386917" cy="3951288"/>
           </a:xfrm>
         </p:spPr>
         <p:txBody>
@@ -1963,8 +1963,8 @@
         </p:nvSpPr>
         <p:spPr>
           <a:xfrm>
-            <a:off x="4645025" y="1535113"/>
-            <a:ext cx="4041775" cy="639762"/>
+            <a:off x="6193368" y="1535113"/>
+            <a:ext cx="5389033" cy="639762"/>
           </a:xfrm>
         </p:spPr>
         <p:txBody>
@@ -2028,8 +2028,8 @@
         </p:nvSpPr>
         <p:spPr>
           <a:xfrm>
-            <a:off x="4645025" y="2174875"/>
-            <a:ext cx="4041775" cy="3951288"/>
+            <a:off x="6193368" y="2174875"/>
+            <a:ext cx="5389033" cy="3951288"/>
           </a:xfrm>
         </p:spPr>
         <p:txBody>
@@ -2117,9 +2117,9 @@
           <a:p>
             <a:fld id="{78C97017-6FC3-485B-9764-EAC9E56C1D49}" type="datetimeFigureOut">
               <a:rPr lang="en-US" smtClean="0"/>
-              <a:t>7/29/2017</a:t>
+              <a:t>3/19/2018</a:t>
             </a:fld>
-            <a:endParaRPr lang="en-US"/>
+            <a:endParaRPr lang="en-US" dirty="0"/>
           </a:p>
         </p:txBody>
       </p:sp>
@@ -2138,7 +2138,7 @@
           <a:bodyPr/>
           <a:lstStyle/>
           <a:p>
-            <a:endParaRPr lang="en-US"/>
+            <a:endParaRPr lang="en-US" dirty="0"/>
           </a:p>
         </p:txBody>
       </p:sp>
@@ -2161,7 +2161,7 @@
               <a:rPr lang="en-US" smtClean="0"/>
               <a:t>‹#›</a:t>
             </a:fld>
-            <a:endParaRPr lang="en-US"/>
+            <a:endParaRPr lang="en-US" dirty="0"/>
           </a:p>
         </p:txBody>
       </p:sp>
@@ -2234,9 +2234,9 @@
           <a:p>
             <a:fld id="{78C97017-6FC3-485B-9764-EAC9E56C1D49}" type="datetimeFigureOut">
               <a:rPr lang="en-US" smtClean="0"/>
-              <a:t>7/29/2017</a:t>
+              <a:t>3/19/2018</a:t>
             </a:fld>
-            <a:endParaRPr lang="en-US"/>
+            <a:endParaRPr lang="en-US" dirty="0"/>
           </a:p>
         </p:txBody>
       </p:sp>
@@ -2255,7 +2255,7 @@
           <a:bodyPr/>
           <a:lstStyle/>
           <a:p>
-            <a:endParaRPr lang="en-US"/>
+            <a:endParaRPr lang="en-US" dirty="0"/>
           </a:p>
         </p:txBody>
       </p:sp>
@@ -2278,7 +2278,7 @@
               <a:rPr lang="en-US" smtClean="0"/>
               <a:t>‹#›</a:t>
             </a:fld>
-            <a:endParaRPr lang="en-US"/>
+            <a:endParaRPr lang="en-US" dirty="0"/>
           </a:p>
         </p:txBody>
       </p:sp>
@@ -2329,9 +2329,9 @@
           <a:p>
             <a:fld id="{78C97017-6FC3-485B-9764-EAC9E56C1D49}" type="datetimeFigureOut">
               <a:rPr lang="en-US" smtClean="0"/>
-              <a:t>7/29/2017</a:t>
+              <a:t>3/19/2018</a:t>
             </a:fld>
-            <a:endParaRPr lang="en-US"/>
+            <a:endParaRPr lang="en-US" dirty="0"/>
           </a:p>
         </p:txBody>
       </p:sp>
@@ -2350,7 +2350,7 @@
           <a:bodyPr/>
           <a:lstStyle/>
           <a:p>
-            <a:endParaRPr lang="en-US"/>
+            <a:endParaRPr lang="en-US" dirty="0"/>
           </a:p>
         </p:txBody>
       </p:sp>
@@ -2373,7 +2373,7 @@
               <a:rPr lang="en-US" smtClean="0"/>
               <a:t>‹#›</a:t>
             </a:fld>
-            <a:endParaRPr lang="en-US"/>
+            <a:endParaRPr lang="en-US" dirty="0"/>
           </a:p>
         </p:txBody>
       </p:sp>
@@ -2419,8 +2419,8 @@
         </p:nvSpPr>
         <p:spPr>
           <a:xfrm>
-            <a:off x="457200" y="273050"/>
-            <a:ext cx="3008313" cy="1162050"/>
+            <a:off x="609601" y="273050"/>
+            <a:ext cx="4011084" cy="1162050"/>
           </a:xfrm>
         </p:spPr>
         <p:txBody>
@@ -2450,8 +2450,8 @@
         </p:nvSpPr>
         <p:spPr>
           <a:xfrm>
-            <a:off x="3575050" y="273050"/>
-            <a:ext cx="5111750" cy="5853113"/>
+            <a:off x="4766733" y="273051"/>
+            <a:ext cx="6815667" cy="5853113"/>
           </a:xfrm>
         </p:spPr>
         <p:txBody>
@@ -2534,8 +2534,8 @@
         </p:nvSpPr>
         <p:spPr>
           <a:xfrm>
-            <a:off x="457200" y="1435100"/>
-            <a:ext cx="3008313" cy="4691063"/>
+            <a:off x="609601" y="1435101"/>
+            <a:ext cx="4011084" cy="4691063"/>
           </a:xfrm>
         </p:spPr>
         <p:txBody>
@@ -2604,9 +2604,9 @@
           <a:p>
             <a:fld id="{78C97017-6FC3-485B-9764-EAC9E56C1D49}" type="datetimeFigureOut">
               <a:rPr lang="en-US" smtClean="0"/>
-              <a:t>7/29/2017</a:t>
+              <a:t>3/19/2018</a:t>
             </a:fld>
-            <a:endParaRPr lang="en-US"/>
+            <a:endParaRPr lang="en-US" dirty="0"/>
           </a:p>
         </p:txBody>
       </p:sp>
@@ -2625,7 +2625,7 @@
           <a:bodyPr/>
           <a:lstStyle/>
           <a:p>
-            <a:endParaRPr lang="en-US"/>
+            <a:endParaRPr lang="en-US" dirty="0"/>
           </a:p>
         </p:txBody>
       </p:sp>
@@ -2648,7 +2648,7 @@
               <a:rPr lang="en-US" smtClean="0"/>
               <a:t>‹#›</a:t>
             </a:fld>
-            <a:endParaRPr lang="en-US"/>
+            <a:endParaRPr lang="en-US" dirty="0"/>
           </a:p>
         </p:txBody>
       </p:sp>
@@ -2694,8 +2694,8 @@
         </p:nvSpPr>
         <p:spPr>
           <a:xfrm>
-            <a:off x="1792288" y="4800600"/>
-            <a:ext cx="5486400" cy="566738"/>
+            <a:off x="2389717" y="4800600"/>
+            <a:ext cx="7315200" cy="566738"/>
           </a:xfrm>
         </p:spPr>
         <p:txBody>
@@ -2725,8 +2725,8 @@
         </p:nvSpPr>
         <p:spPr>
           <a:xfrm>
-            <a:off x="1792288" y="612775"/>
-            <a:ext cx="5486400" cy="4114800"/>
+            <a:off x="2389717" y="612775"/>
+            <a:ext cx="7315200" cy="4114800"/>
           </a:xfrm>
         </p:spPr>
         <p:txBody>
@@ -2770,7 +2770,7 @@
             </a:lvl9pPr>
           </a:lstStyle>
           <a:p>
-            <a:endParaRPr lang="en-US"/>
+            <a:endParaRPr lang="en-US" dirty="0"/>
           </a:p>
         </p:txBody>
       </p:sp>
@@ -2786,8 +2786,8 @@
         </p:nvSpPr>
         <p:spPr>
           <a:xfrm>
-            <a:off x="1792288" y="5367338"/>
-            <a:ext cx="5486400" cy="804862"/>
+            <a:off x="2389717" y="5367338"/>
+            <a:ext cx="7315200" cy="804862"/>
           </a:xfrm>
         </p:spPr>
         <p:txBody>
@@ -2856,9 +2856,9 @@
           <a:p>
             <a:fld id="{78C97017-6FC3-485B-9764-EAC9E56C1D49}" type="datetimeFigureOut">
               <a:rPr lang="en-US" smtClean="0"/>
-              <a:t>7/29/2017</a:t>
+              <a:t>3/19/2018</a:t>
             </a:fld>
-            <a:endParaRPr lang="en-US"/>
+            <a:endParaRPr lang="en-US" dirty="0"/>
           </a:p>
         </p:txBody>
       </p:sp>
@@ -2877,7 +2877,7 @@
           <a:bodyPr/>
           <a:lstStyle/>
           <a:p>
-            <a:endParaRPr lang="en-US"/>
+            <a:endParaRPr lang="en-US" dirty="0"/>
           </a:p>
         </p:txBody>
       </p:sp>
@@ -2900,7 +2900,7 @@
               <a:rPr lang="en-US" smtClean="0"/>
               <a:t>‹#›</a:t>
             </a:fld>
-            <a:endParaRPr lang="en-US"/>
+            <a:endParaRPr lang="en-US" dirty="0"/>
           </a:p>
         </p:txBody>
       </p:sp>
@@ -2951,8 +2951,8 @@
         </p:nvSpPr>
         <p:spPr>
           <a:xfrm>
-            <a:off x="457200" y="274638"/>
-            <a:ext cx="8229600" cy="1143000"/>
+            <a:off x="609600" y="274638"/>
+            <a:ext cx="10972800" cy="1143000"/>
           </a:xfrm>
           <a:prstGeom prst="rect">
             <a:avLst/>
@@ -2983,8 +2983,8 @@
         </p:nvSpPr>
         <p:spPr>
           <a:xfrm>
-            <a:off x="457200" y="1600200"/>
-            <a:ext cx="8229600" cy="4525963"/>
+            <a:off x="609600" y="1600201"/>
+            <a:ext cx="10972800" cy="4525963"/>
           </a:xfrm>
           <a:prstGeom prst="rect">
             <a:avLst/>
@@ -3044,8 +3044,8 @@
         </p:nvSpPr>
         <p:spPr>
           <a:xfrm>
-            <a:off x="457200" y="6356350"/>
-            <a:ext cx="2133600" cy="365125"/>
+            <a:off x="609600" y="6356351"/>
+            <a:ext cx="2844800" cy="365125"/>
           </a:xfrm>
           <a:prstGeom prst="rect">
             <a:avLst/>
@@ -3067,9 +3067,9 @@
           <a:p>
             <a:fld id="{78C97017-6FC3-485B-9764-EAC9E56C1D49}" type="datetimeFigureOut">
               <a:rPr lang="en-US" smtClean="0"/>
-              <a:t>7/29/2017</a:t>
+              <a:t>3/19/2018</a:t>
             </a:fld>
-            <a:endParaRPr lang="en-US"/>
+            <a:endParaRPr lang="en-US" dirty="0"/>
           </a:p>
         </p:txBody>
       </p:sp>
@@ -3085,8 +3085,8 @@
         </p:nvSpPr>
         <p:spPr>
           <a:xfrm>
-            <a:off x="3124200" y="6356350"/>
-            <a:ext cx="2895600" cy="365125"/>
+            <a:off x="4165600" y="6356351"/>
+            <a:ext cx="3860800" cy="365125"/>
           </a:xfrm>
           <a:prstGeom prst="rect">
             <a:avLst/>
@@ -3106,7 +3106,7 @@
             </a:lvl1pPr>
           </a:lstStyle>
           <a:p>
-            <a:endParaRPr lang="en-US"/>
+            <a:endParaRPr lang="en-US" dirty="0"/>
           </a:p>
         </p:txBody>
       </p:sp>
@@ -3122,8 +3122,8 @@
         </p:nvSpPr>
         <p:spPr>
           <a:xfrm>
-            <a:off x="6553200" y="6356350"/>
-            <a:ext cx="2133600" cy="365125"/>
+            <a:off x="8737600" y="6356351"/>
+            <a:ext cx="2844800" cy="365125"/>
           </a:xfrm>
           <a:prstGeom prst="rect">
             <a:avLst/>
@@ -3147,7 +3147,7 @@
               <a:rPr lang="en-US" smtClean="0"/>
               <a:t>‹#›</a:t>
             </a:fld>
-            <a:endParaRPr lang="en-US"/>
+            <a:endParaRPr lang="en-US" dirty="0"/>
           </a:p>
         </p:txBody>
       </p:sp>
@@ -3450,7 +3450,7 @@
         </p:nvSpPr>
         <p:spPr>
           <a:xfrm>
-            <a:off x="723900" y="228600"/>
+            <a:off x="2247900" y="228600"/>
             <a:ext cx="8847118" cy="4343400"/>
           </a:xfrm>
           <a:prstGeom prst="roundRect">
@@ -3511,7 +3511,7 @@
         </p:nvSpPr>
         <p:spPr>
           <a:xfrm>
-            <a:off x="883145" y="543946"/>
+            <a:off x="2407146" y="543946"/>
             <a:ext cx="1455629" cy="346760"/>
           </a:xfrm>
           <a:prstGeom prst="rect">
@@ -3552,15 +3552,7 @@
                   <a:schemeClr val="bg1"/>
                 </a:solidFill>
               </a:rPr>
-              <a:t>:</a:t>
-            </a:r>
-            <a:r>
-              <a:rPr lang="en-US" sz="1600" dirty="0" err="1">
-                <a:solidFill>
-                  <a:schemeClr val="bg1"/>
-                </a:solidFill>
-              </a:rPr>
-              <a:t>LogicManager</a:t>
+              <a:t>:LogicManager</a:t>
             </a:r>
             <a:endParaRPr lang="en-SG" sz="1600" dirty="0">
               <a:solidFill>
@@ -3580,7 +3572,7 @@
         </p:nvCxnSpPr>
         <p:spPr>
           <a:xfrm>
-            <a:off x="1610959" y="907617"/>
+            <a:off x="3134959" y="907618"/>
             <a:ext cx="0" cy="3481399"/>
           </a:xfrm>
           <a:prstGeom prst="line">
@@ -3617,7 +3609,7 @@
         </p:nvSpPr>
         <p:spPr>
           <a:xfrm>
-            <a:off x="1538951" y="1258311"/>
+            <a:off x="3062951" y="1258312"/>
             <a:ext cx="152400" cy="2932689"/>
           </a:xfrm>
           <a:prstGeom prst="rect">
@@ -3652,7 +3644,7 @@
           <a:lstStyle/>
           <a:p>
             <a:pPr algn="ctr"/>
-            <a:endParaRPr lang="en-SG" sz="1400"/>
+            <a:endParaRPr lang="en-SG" sz="1400" dirty="0"/>
           </a:p>
         </p:txBody>
       </p:sp>
@@ -3664,8 +3656,8 @@
         </p:nvSpPr>
         <p:spPr>
           <a:xfrm>
-            <a:off x="3437188" y="423022"/>
-            <a:ext cx="1219200" cy="467684"/>
+            <a:off x="4755410" y="423022"/>
+            <a:ext cx="1492973" cy="467684"/>
           </a:xfrm>
           <a:prstGeom prst="rect">
             <a:avLst/>
@@ -3705,18 +3697,7 @@
                   <a:schemeClr val="bg1"/>
                 </a:solidFill>
               </a:rPr>
-              <a:t>:Address</a:t>
-            </a:r>
-          </a:p>
-          <a:p>
-            <a:pPr algn="ctr"/>
-            <a:r>
-              <a:rPr lang="en-US" sz="1600" dirty="0" err="1">
-                <a:solidFill>
-                  <a:schemeClr val="bg1"/>
-                </a:solidFill>
-              </a:rPr>
-              <a:t>BookParser</a:t>
+              <a:t>:MoviePlannerParser</a:t>
             </a:r>
             <a:endParaRPr lang="en-SG" sz="1600" dirty="0">
               <a:solidFill>
@@ -3736,7 +3717,7 @@
         </p:nvCxnSpPr>
         <p:spPr>
           <a:xfrm>
-            <a:off x="4050587" y="907617"/>
+            <a:off x="5574587" y="907617"/>
             <a:ext cx="0" cy="1482984"/>
           </a:xfrm>
           <a:prstGeom prst="line">
@@ -3773,7 +3754,7 @@
         </p:nvSpPr>
         <p:spPr>
           <a:xfrm>
-            <a:off x="3978580" y="1365810"/>
+            <a:off x="5502580" y="1365810"/>
             <a:ext cx="154408" cy="767790"/>
           </a:xfrm>
           <a:prstGeom prst="rect">
@@ -3808,11 +3789,7 @@
           <a:lstStyle/>
           <a:p>
             <a:pPr algn="ctr"/>
-            <a:endParaRPr lang="en-SG" sz="1400">
-              <a:solidFill>
-                <a:schemeClr val="dk1"/>
-              </a:solidFill>
-            </a:endParaRPr>
+            <a:endParaRPr lang="en-SG" sz="1400" dirty="0"/>
           </a:p>
         </p:txBody>
       </p:sp>
@@ -3828,7 +3805,7 @@
         </p:nvCxnSpPr>
         <p:spPr>
           <a:xfrm>
-            <a:off x="5602082" y="1613633"/>
+            <a:off x="7126082" y="1613633"/>
             <a:ext cx="0" cy="2644578"/>
           </a:xfrm>
           <a:prstGeom prst="line">
@@ -3865,7 +3842,7 @@
         </p:nvSpPr>
         <p:spPr>
           <a:xfrm>
-            <a:off x="5525882" y="1613633"/>
+            <a:off x="7049882" y="1613634"/>
             <a:ext cx="152400" cy="276003"/>
           </a:xfrm>
           <a:prstGeom prst="rect">
@@ -3900,7 +3877,7 @@
           <a:lstStyle/>
           <a:p>
             <a:pPr algn="ctr"/>
-            <a:endParaRPr lang="en-SG" sz="1400"/>
+            <a:endParaRPr lang="en-SG" sz="1400" dirty="0"/>
           </a:p>
         </p:txBody>
       </p:sp>
@@ -3912,7 +3889,7 @@
         </p:nvCxnSpPr>
         <p:spPr>
           <a:xfrm>
-            <a:off x="419100" y="1261999"/>
+            <a:off x="1943101" y="1261999"/>
             <a:ext cx="1119851" cy="0"/>
           </a:xfrm>
           <a:prstGeom prst="straightConnector1">
@@ -3948,7 +3925,7 @@
         </p:nvSpPr>
         <p:spPr>
           <a:xfrm>
-            <a:off x="38100" y="990600"/>
+            <a:off x="1562100" y="990600"/>
             <a:ext cx="1424846" cy="215444"/>
           </a:xfrm>
           <a:prstGeom prst="rect">
@@ -3982,7 +3959,7 @@
         </p:nvCxnSpPr>
         <p:spPr>
           <a:xfrm flipV="1">
-            <a:off x="4135972" y="1512340"/>
+            <a:off x="5659972" y="1512341"/>
             <a:ext cx="922392" cy="1"/>
           </a:xfrm>
           <a:prstGeom prst="straightConnector1">
@@ -4018,7 +3995,7 @@
         </p:nvSpPr>
         <p:spPr>
           <a:xfrm>
-            <a:off x="3243421" y="2484071"/>
+            <a:off x="4767422" y="2484071"/>
             <a:ext cx="855809" cy="215444"/>
           </a:xfrm>
           <a:prstGeom prst="rect">
@@ -4058,7 +4035,7 @@
         </p:nvCxnSpPr>
         <p:spPr>
           <a:xfrm>
-            <a:off x="4109108" y="1878232"/>
+            <a:off x="5633108" y="1878232"/>
             <a:ext cx="1492974" cy="0"/>
           </a:xfrm>
           <a:prstGeom prst="straightConnector1">
@@ -4098,7 +4075,7 @@
         </p:nvCxnSpPr>
         <p:spPr>
           <a:xfrm>
-            <a:off x="1691351" y="2133600"/>
+            <a:off x="3215352" y="2133600"/>
             <a:ext cx="2348067" cy="0"/>
           </a:xfrm>
           <a:prstGeom prst="straightConnector1">
@@ -4136,7 +4113,7 @@
         </p:nvCxnSpPr>
         <p:spPr>
           <a:xfrm>
-            <a:off x="380999" y="4191000"/>
+            <a:off x="1905000" y="4191000"/>
             <a:ext cx="1196051" cy="0"/>
           </a:xfrm>
           <a:prstGeom prst="straightConnector1">
@@ -4174,7 +4151,7 @@
         </p:nvSpPr>
         <p:spPr>
           <a:xfrm>
-            <a:off x="5526488" y="2731313"/>
+            <a:off x="7050488" y="2731314"/>
             <a:ext cx="161322" cy="1307285"/>
           </a:xfrm>
           <a:prstGeom prst="rect">
@@ -4209,7 +4186,7 @@
           <a:lstStyle/>
           <a:p>
             <a:pPr algn="ctr"/>
-            <a:endParaRPr lang="en-SG" sz="1400"/>
+            <a:endParaRPr lang="en-SG" sz="1400" dirty="0"/>
           </a:p>
         </p:txBody>
       </p:sp>
@@ -4223,7 +4200,7 @@
         </p:nvCxnSpPr>
         <p:spPr>
           <a:xfrm>
-            <a:off x="5700333" y="3609800"/>
+            <a:off x="7224333" y="3609800"/>
             <a:ext cx="2813874" cy="0"/>
           </a:xfrm>
           <a:prstGeom prst="straightConnector1">
@@ -4259,7 +4236,7 @@
         </p:nvSpPr>
         <p:spPr>
           <a:xfrm>
-            <a:off x="5782732" y="2760996"/>
+            <a:off x="7306733" y="2760996"/>
             <a:ext cx="767033" cy="184666"/>
           </a:xfrm>
           <a:prstGeom prst="rect">
@@ -4285,12 +4262,8 @@
           </a:lstStyle>
           <a:p>
             <a:r>
-              <a:rPr lang="en-US" sz="1200" dirty="0" err="1"/>
-              <a:t>popUndo</a:t>
-            </a:r>
-            <a:r>
               <a:rPr lang="en-US" sz="1200" dirty="0"/>
-              <a:t>()</a:t>
+              <a:t>popUndo()</a:t>
             </a:r>
           </a:p>
         </p:txBody>
@@ -4303,7 +4276,7 @@
         </p:nvSpPr>
         <p:spPr>
           <a:xfrm>
-            <a:off x="1885189" y="1106150"/>
+            <a:off x="3409190" y="1106150"/>
             <a:ext cx="1899551" cy="215444"/>
           </a:xfrm>
           <a:prstGeom prst="rect">
@@ -4329,12 +4302,8 @@
           </a:lstStyle>
           <a:p>
             <a:r>
-              <a:rPr lang="en-US" dirty="0" err="1"/>
-              <a:t>parseCommand</a:t>
-            </a:r>
-            <a:r>
               <a:rPr lang="en-US" dirty="0"/>
-              <a:t>(“undo”)</a:t>
+              <a:t>parseCommand(“undo”)</a:t>
             </a:r>
           </a:p>
         </p:txBody>
@@ -4347,7 +4316,7 @@
         </p:nvSpPr>
         <p:spPr>
           <a:xfrm>
-            <a:off x="3272755" y="3791076"/>
+            <a:off x="4796755" y="3791076"/>
             <a:ext cx="621216" cy="215444"/>
           </a:xfrm>
           <a:prstGeom prst="rect">
@@ -4387,7 +4356,7 @@
         </p:nvSpPr>
         <p:spPr>
           <a:xfrm>
-            <a:off x="645270" y="3945901"/>
+            <a:off x="2169270" y="3945901"/>
             <a:ext cx="762000" cy="215444"/>
           </a:xfrm>
           <a:prstGeom prst="rect">
@@ -4427,7 +4396,7 @@
         </p:nvSpPr>
         <p:spPr>
           <a:xfrm>
-            <a:off x="7826988" y="2782109"/>
+            <a:off x="9350988" y="2782109"/>
             <a:ext cx="1590354" cy="461538"/>
           </a:xfrm>
           <a:prstGeom prst="rect">
@@ -4486,7 +4455,7 @@
         </p:nvSpPr>
         <p:spPr>
           <a:xfrm>
-            <a:off x="8514207" y="3599229"/>
+            <a:off x="10038207" y="3599230"/>
             <a:ext cx="152400" cy="313845"/>
           </a:xfrm>
           <a:prstGeom prst="rect">
@@ -4521,7 +4490,7 @@
           <a:lstStyle/>
           <a:p>
             <a:pPr algn="ctr"/>
-            <a:endParaRPr lang="en-SG" sz="1400"/>
+            <a:endParaRPr lang="en-SG" sz="1400" dirty="0"/>
           </a:p>
         </p:txBody>
       </p:sp>
@@ -4535,7 +4504,7 @@
         </p:nvCxnSpPr>
         <p:spPr>
           <a:xfrm>
-            <a:off x="5685755" y="3899785"/>
+            <a:off x="7209756" y="3899785"/>
             <a:ext cx="2855065" cy="0"/>
           </a:xfrm>
           <a:prstGeom prst="straightConnector1">
@@ -4573,7 +4542,7 @@
         </p:nvSpPr>
         <p:spPr>
           <a:xfrm>
-            <a:off x="2724792" y="1905793"/>
+            <a:off x="4248793" y="1905793"/>
             <a:ext cx="220343" cy="215444"/>
           </a:xfrm>
           <a:prstGeom prst="rect">
@@ -4613,7 +4582,7 @@
         </p:nvSpPr>
         <p:spPr>
           <a:xfrm>
-            <a:off x="6059560" y="2230345"/>
+            <a:off x="7583561" y="2230346"/>
             <a:ext cx="1778201" cy="432035"/>
           </a:xfrm>
           <a:prstGeom prst="rect">
@@ -4654,15 +4623,7 @@
                   <a:schemeClr val="bg1"/>
                 </a:solidFill>
               </a:rPr>
-              <a:t>:</a:t>
-            </a:r>
-            <a:r>
-              <a:rPr lang="en-US" sz="1600" dirty="0" err="1">
-                <a:solidFill>
-                  <a:schemeClr val="bg1"/>
-                </a:solidFill>
-              </a:rPr>
-              <a:t>UndoRedoStack</a:t>
+              <a:t>:UndoRedoStack</a:t>
             </a:r>
             <a:endParaRPr lang="en-SG" sz="1600" dirty="0">
               <a:solidFill>
@@ -4682,7 +4643,7 @@
         </p:nvCxnSpPr>
         <p:spPr>
           <a:xfrm>
-            <a:off x="6990448" y="2653306"/>
+            <a:off x="8514448" y="2653307"/>
             <a:ext cx="0" cy="838201"/>
           </a:xfrm>
           <a:prstGeom prst="line">
@@ -4719,7 +4680,7 @@
         </p:nvSpPr>
         <p:spPr>
           <a:xfrm>
-            <a:off x="6887526" y="2958107"/>
+            <a:off x="8411527" y="2958108"/>
             <a:ext cx="217409" cy="351475"/>
           </a:xfrm>
           <a:prstGeom prst="rect">
@@ -4754,7 +4715,7 @@
           <a:lstStyle/>
           <a:p>
             <a:pPr algn="ctr"/>
-            <a:endParaRPr lang="en-SG" sz="1400"/>
+            <a:endParaRPr lang="en-SG" sz="1400" dirty="0"/>
           </a:p>
         </p:txBody>
       </p:sp>
@@ -4768,7 +4729,7 @@
         </p:nvCxnSpPr>
         <p:spPr>
           <a:xfrm>
-            <a:off x="5685755" y="2975344"/>
+            <a:off x="7209756" y="2975344"/>
             <a:ext cx="1210345" cy="0"/>
           </a:xfrm>
           <a:prstGeom prst="straightConnector1">
@@ -4804,7 +4765,7 @@
         </p:nvSpPr>
         <p:spPr>
           <a:xfrm>
-            <a:off x="5472880" y="4258211"/>
+            <a:off x="6996880" y="4258211"/>
             <a:ext cx="258404" cy="261610"/>
           </a:xfrm>
           <a:prstGeom prst="rect">
@@ -4837,7 +4798,7 @@
         </p:nvSpPr>
         <p:spPr>
           <a:xfrm>
-            <a:off x="5035976" y="1260268"/>
+            <a:off x="6559977" y="1260268"/>
             <a:ext cx="1093635" cy="461538"/>
           </a:xfrm>
           <a:prstGeom prst="rect">
@@ -4919,7 +4880,7 @@
         </p:nvCxnSpPr>
         <p:spPr>
           <a:xfrm>
-            <a:off x="1691351" y="2731314"/>
+            <a:off x="3215351" y="2731315"/>
             <a:ext cx="3832164" cy="1"/>
           </a:xfrm>
           <a:prstGeom prst="straightConnector1">
@@ -4963,7 +4924,7 @@
         </p:nvCxnSpPr>
         <p:spPr>
           <a:xfrm>
-            <a:off x="1708245" y="1363918"/>
+            <a:off x="3232246" y="1363919"/>
             <a:ext cx="2256705" cy="1"/>
           </a:xfrm>
           <a:prstGeom prst="straightConnector1">
@@ -5007,7 +4968,7 @@
         </p:nvCxnSpPr>
         <p:spPr>
           <a:xfrm>
-            <a:off x="1691998" y="4036462"/>
+            <a:off x="3215999" y="4036462"/>
             <a:ext cx="3831517" cy="0"/>
           </a:xfrm>
           <a:prstGeom prst="straightConnector1">
@@ -5053,7 +5014,7 @@
         </p:nvCxnSpPr>
         <p:spPr>
           <a:xfrm>
-            <a:off x="5731284" y="3302011"/>
+            <a:off x="7255284" y="3302011"/>
             <a:ext cx="1128490" cy="0"/>
           </a:xfrm>
           <a:prstGeom prst="straightConnector1">
@@ -5097,7 +5058,7 @@
         </p:nvSpPr>
         <p:spPr>
           <a:xfrm>
-            <a:off x="5968093" y="3100435"/>
+            <a:off x="7492094" y="3100435"/>
             <a:ext cx="767033" cy="184666"/>
           </a:xfrm>
           <a:prstGeom prst="rect">
@@ -5144,7 +5105,7 @@
         </p:nvSpPr>
         <p:spPr>
           <a:xfrm>
-            <a:off x="6071845" y="3425134"/>
+            <a:off x="7595846" y="3425134"/>
             <a:ext cx="767033" cy="184666"/>
           </a:xfrm>
           <a:prstGeom prst="rect">
@@ -5192,7 +5153,7 @@
         </p:nvCxnSpPr>
         <p:spPr>
           <a:xfrm>
-            <a:off x="8590407" y="3192768"/>
+            <a:off x="10114407" y="3192768"/>
             <a:ext cx="0" cy="1150632"/>
           </a:xfrm>
           <a:prstGeom prst="line">
